--- a/Thanh tiến trình giao hàng trong woocommerce.pptx
+++ b/Thanh tiến trình giao hàng trong woocommerce.pptx
@@ -8,10 +8,8 @@
     <p:sldId id="256" r:id="rId2"/>
     <p:sldId id="257" r:id="rId3"/>
     <p:sldId id="258" r:id="rId4"/>
-    <p:sldId id="259" r:id="rId5"/>
-    <p:sldId id="260" r:id="rId6"/>
-    <p:sldId id="261" r:id="rId7"/>
-    <p:sldId id="262" r:id="rId8"/>
+    <p:sldId id="261" r:id="rId5"/>
+    <p:sldId id="262" r:id="rId6"/>
   </p:sldIdLst>
   <p:sldSz cx="12192000" cy="6858000"/>
   <p:notesSz cx="6858000" cy="9144000"/>
@@ -110,6 +108,11 @@
       </a:defRPr>
     </a:lvl9pPr>
   </p:defaultTextStyle>
+  <p:extLst>
+    <p:ext uri="{EFAFB233-063F-42B5-8137-9DF3F51BA10A}">
+      <p15:sldGuideLst xmlns:p15="http://schemas.microsoft.com/office/powerpoint/2012/main"/>
+    </p:ext>
+  </p:extLst>
 </p:presentation>
 </file>
 
@@ -260,7 +263,7 @@
           <a:p>
             <a:fld id="{4009681C-EB47-4E76-B222-032B87BFC6C0}" type="datetimeFigureOut">
               <a:rPr lang="en-US" smtClean="0"/>
-              <a:t>08/10/2024</a:t>
+              <a:t>14/10/2024</a:t>
             </a:fld>
             <a:endParaRPr lang="en-US"/>
           </a:p>
@@ -458,7 +461,7 @@
           <a:p>
             <a:fld id="{4009681C-EB47-4E76-B222-032B87BFC6C0}" type="datetimeFigureOut">
               <a:rPr lang="en-US" smtClean="0"/>
-              <a:t>08/10/2024</a:t>
+              <a:t>14/10/2024</a:t>
             </a:fld>
             <a:endParaRPr lang="en-US"/>
           </a:p>
@@ -666,7 +669,7 @@
           <a:p>
             <a:fld id="{4009681C-EB47-4E76-B222-032B87BFC6C0}" type="datetimeFigureOut">
               <a:rPr lang="en-US" smtClean="0"/>
-              <a:t>08/10/2024</a:t>
+              <a:t>14/10/2024</a:t>
             </a:fld>
             <a:endParaRPr lang="en-US"/>
           </a:p>
@@ -864,7 +867,7 @@
           <a:p>
             <a:fld id="{4009681C-EB47-4E76-B222-032B87BFC6C0}" type="datetimeFigureOut">
               <a:rPr lang="en-US" smtClean="0"/>
-              <a:t>08/10/2024</a:t>
+              <a:t>14/10/2024</a:t>
             </a:fld>
             <a:endParaRPr lang="en-US"/>
           </a:p>
@@ -1139,7 +1142,7 @@
           <a:p>
             <a:fld id="{4009681C-EB47-4E76-B222-032B87BFC6C0}" type="datetimeFigureOut">
               <a:rPr lang="en-US" smtClean="0"/>
-              <a:t>08/10/2024</a:t>
+              <a:t>14/10/2024</a:t>
             </a:fld>
             <a:endParaRPr lang="en-US"/>
           </a:p>
@@ -1404,7 +1407,7 @@
           <a:p>
             <a:fld id="{4009681C-EB47-4E76-B222-032B87BFC6C0}" type="datetimeFigureOut">
               <a:rPr lang="en-US" smtClean="0"/>
-              <a:t>08/10/2024</a:t>
+              <a:t>14/10/2024</a:t>
             </a:fld>
             <a:endParaRPr lang="en-US"/>
           </a:p>
@@ -1816,7 +1819,7 @@
           <a:p>
             <a:fld id="{4009681C-EB47-4E76-B222-032B87BFC6C0}" type="datetimeFigureOut">
               <a:rPr lang="en-US" smtClean="0"/>
-              <a:t>08/10/2024</a:t>
+              <a:t>14/10/2024</a:t>
             </a:fld>
             <a:endParaRPr lang="en-US"/>
           </a:p>
@@ -1957,7 +1960,7 @@
           <a:p>
             <a:fld id="{4009681C-EB47-4E76-B222-032B87BFC6C0}" type="datetimeFigureOut">
               <a:rPr lang="en-US" smtClean="0"/>
-              <a:t>08/10/2024</a:t>
+              <a:t>14/10/2024</a:t>
             </a:fld>
             <a:endParaRPr lang="en-US"/>
           </a:p>
@@ -2070,7 +2073,7 @@
           <a:p>
             <a:fld id="{4009681C-EB47-4E76-B222-032B87BFC6C0}" type="datetimeFigureOut">
               <a:rPr lang="en-US" smtClean="0"/>
-              <a:t>08/10/2024</a:t>
+              <a:t>14/10/2024</a:t>
             </a:fld>
             <a:endParaRPr lang="en-US"/>
           </a:p>
@@ -2381,7 +2384,7 @@
           <a:p>
             <a:fld id="{4009681C-EB47-4E76-B222-032B87BFC6C0}" type="datetimeFigureOut">
               <a:rPr lang="en-US" smtClean="0"/>
-              <a:t>08/10/2024</a:t>
+              <a:t>14/10/2024</a:t>
             </a:fld>
             <a:endParaRPr lang="en-US"/>
           </a:p>
@@ -2669,7 +2672,7 @@
           <a:p>
             <a:fld id="{4009681C-EB47-4E76-B222-032B87BFC6C0}" type="datetimeFigureOut">
               <a:rPr lang="en-US" smtClean="0"/>
-              <a:t>08/10/2024</a:t>
+              <a:t>14/10/2024</a:t>
             </a:fld>
             <a:endParaRPr lang="en-US"/>
           </a:p>
@@ -2910,7 +2913,7 @@
           <a:p>
             <a:fld id="{4009681C-EB47-4E76-B222-032B87BFC6C0}" type="datetimeFigureOut">
               <a:rPr lang="en-US" smtClean="0"/>
-              <a:t>08/10/2024</a:t>
+              <a:t>14/10/2024</a:t>
             </a:fld>
             <a:endParaRPr lang="en-US"/>
           </a:p>
@@ -3609,166 +3612,6 @@
           <p:cNvPr id="2" name="Title 1">
             <a:extLst>
               <a:ext uri="{FF2B5EF4-FFF2-40B4-BE49-F238E27FC236}">
-                <a16:creationId xmlns:a16="http://schemas.microsoft.com/office/drawing/2014/main" id="{798B8804-B7F8-46CF-8E37-83CCF029AC21}"/>
-              </a:ext>
-            </a:extLst>
-          </p:cNvPr>
-          <p:cNvSpPr>
-            <a:spLocks noGrp="1"/>
-          </p:cNvSpPr>
-          <p:nvPr>
-            <p:ph type="title"/>
-          </p:nvPr>
-        </p:nvSpPr>
-        <p:spPr/>
-        <p:txBody>
-          <a:bodyPr/>
-          <a:lstStyle/>
-          <a:p>
-            <a:endParaRPr lang="en-US"/>
-          </a:p>
-        </p:txBody>
-      </p:sp>
-      <p:sp>
-        <p:nvSpPr>
-          <p:cNvPr id="3" name="Content Placeholder 2">
-            <a:extLst>
-              <a:ext uri="{FF2B5EF4-FFF2-40B4-BE49-F238E27FC236}">
-                <a16:creationId xmlns:a16="http://schemas.microsoft.com/office/drawing/2014/main" id="{900C4586-FEE5-4202-B42E-1EDAAAB4AAB3}"/>
-              </a:ext>
-            </a:extLst>
-          </p:cNvPr>
-          <p:cNvSpPr>
-            <a:spLocks noGrp="1"/>
-          </p:cNvSpPr>
-          <p:nvPr>
-            <p:ph idx="1"/>
-          </p:nvPr>
-        </p:nvSpPr>
-        <p:spPr/>
-        <p:txBody>
-          <a:bodyPr/>
-          <a:lstStyle/>
-          <a:p>
-            <a:endParaRPr lang="en-US"/>
-          </a:p>
-        </p:txBody>
-      </p:sp>
-    </p:spTree>
-    <p:extLst>
-      <p:ext uri="{BB962C8B-B14F-4D97-AF65-F5344CB8AC3E}">
-        <p14:creationId xmlns:p14="http://schemas.microsoft.com/office/powerpoint/2010/main" val="3137431290"/>
-      </p:ext>
-    </p:extLst>
-  </p:cSld>
-  <p:clrMapOvr>
-    <a:masterClrMapping/>
-  </p:clrMapOvr>
-</p:sld>
-</file>
-
-<file path=ppt/slides/slide5.xml><?xml version="1.0" encoding="utf-8"?>
-<p:sld xmlns:a="http://schemas.openxmlformats.org/drawingml/2006/main" xmlns:r="http://schemas.openxmlformats.org/officeDocument/2006/relationships" xmlns:p="http://schemas.openxmlformats.org/presentationml/2006/main">
-  <p:cSld>
-    <p:spTree>
-      <p:nvGrpSpPr>
-        <p:cNvPr id="1" name=""/>
-        <p:cNvGrpSpPr/>
-        <p:nvPr/>
-      </p:nvGrpSpPr>
-      <p:grpSpPr>
-        <a:xfrm>
-          <a:off x="0" y="0"/>
-          <a:ext cx="0" cy="0"/>
-          <a:chOff x="0" y="0"/>
-          <a:chExt cx="0" cy="0"/>
-        </a:xfrm>
-      </p:grpSpPr>
-      <p:sp>
-        <p:nvSpPr>
-          <p:cNvPr id="2" name="Title 1">
-            <a:extLst>
-              <a:ext uri="{FF2B5EF4-FFF2-40B4-BE49-F238E27FC236}">
-                <a16:creationId xmlns:a16="http://schemas.microsoft.com/office/drawing/2014/main" id="{47505751-3AB9-49A9-AF0D-C30095AA6C56}"/>
-              </a:ext>
-            </a:extLst>
-          </p:cNvPr>
-          <p:cNvSpPr>
-            <a:spLocks noGrp="1"/>
-          </p:cNvSpPr>
-          <p:nvPr>
-            <p:ph type="title"/>
-          </p:nvPr>
-        </p:nvSpPr>
-        <p:spPr/>
-        <p:txBody>
-          <a:bodyPr/>
-          <a:lstStyle/>
-          <a:p>
-            <a:endParaRPr lang="en-US"/>
-          </a:p>
-        </p:txBody>
-      </p:sp>
-      <p:sp>
-        <p:nvSpPr>
-          <p:cNvPr id="3" name="Content Placeholder 2">
-            <a:extLst>
-              <a:ext uri="{FF2B5EF4-FFF2-40B4-BE49-F238E27FC236}">
-                <a16:creationId xmlns:a16="http://schemas.microsoft.com/office/drawing/2014/main" id="{DACEC138-1CC6-4179-85D5-B79F47471A61}"/>
-              </a:ext>
-            </a:extLst>
-          </p:cNvPr>
-          <p:cNvSpPr>
-            <a:spLocks noGrp="1"/>
-          </p:cNvSpPr>
-          <p:nvPr>
-            <p:ph idx="1"/>
-          </p:nvPr>
-        </p:nvSpPr>
-        <p:spPr/>
-        <p:txBody>
-          <a:bodyPr/>
-          <a:lstStyle/>
-          <a:p>
-            <a:endParaRPr lang="en-US"/>
-          </a:p>
-        </p:txBody>
-      </p:sp>
-    </p:spTree>
-    <p:extLst>
-      <p:ext uri="{BB962C8B-B14F-4D97-AF65-F5344CB8AC3E}">
-        <p14:creationId xmlns:p14="http://schemas.microsoft.com/office/powerpoint/2010/main" val="540968016"/>
-      </p:ext>
-    </p:extLst>
-  </p:cSld>
-  <p:clrMapOvr>
-    <a:masterClrMapping/>
-  </p:clrMapOvr>
-</p:sld>
-</file>
-
-<file path=ppt/slides/slide6.xml><?xml version="1.0" encoding="utf-8"?>
-<p:sld xmlns:a="http://schemas.openxmlformats.org/drawingml/2006/main" xmlns:r="http://schemas.openxmlformats.org/officeDocument/2006/relationships" xmlns:p="http://schemas.openxmlformats.org/presentationml/2006/main">
-  <p:cSld>
-    <p:spTree>
-      <p:nvGrpSpPr>
-        <p:cNvPr id="1" name=""/>
-        <p:cNvGrpSpPr/>
-        <p:nvPr/>
-      </p:nvGrpSpPr>
-      <p:grpSpPr>
-        <a:xfrm>
-          <a:off x="0" y="0"/>
-          <a:ext cx="0" cy="0"/>
-          <a:chOff x="0" y="0"/>
-          <a:chExt cx="0" cy="0"/>
-        </a:xfrm>
-      </p:grpSpPr>
-      <p:sp>
-        <p:nvSpPr>
-          <p:cNvPr id="2" name="Title 1">
-            <a:extLst>
-              <a:ext uri="{FF2B5EF4-FFF2-40B4-BE49-F238E27FC236}">
                 <a16:creationId xmlns:a16="http://schemas.microsoft.com/office/drawing/2014/main" id="{8C0E6CDB-C6B8-4EA4-A6DF-630B8056215E}"/>
               </a:ext>
             </a:extLst>
@@ -3827,7 +3670,7 @@
 </p:sld>
 </file>
 
-<file path=ppt/slides/slide7.xml><?xml version="1.0" encoding="utf-8"?>
+<file path=ppt/slides/slide5.xml><?xml version="1.0" encoding="utf-8"?>
 <p:sld xmlns:a="http://schemas.openxmlformats.org/drawingml/2006/main" xmlns:r="http://schemas.openxmlformats.org/officeDocument/2006/relationships" xmlns:p="http://schemas.openxmlformats.org/presentationml/2006/main">
   <p:cSld>
     <p:spTree>
